--- a/S3 - PRACTICE- Flex Box - Real Cases/EX 1/Start  - CSS STRATEGY.pptx
+++ b/S3 - PRACTICE- Flex Box - Real Cases/EX 1/Start  - CSS STRATEGY.pptx
@@ -11,6 +11,8 @@
     <p:sldId id="260" r:id="rId5"/>
     <p:sldId id="261" r:id="rId6"/>
     <p:sldId id="262" r:id="rId7"/>
+    <p:sldId id="263" r:id="rId8"/>
+    <p:sldId id="264" r:id="rId9"/>
   </p:sldIdLst>
   <p:sldSz cx="12192000" cy="6858000"/>
   <p:notesSz cx="6858000" cy="9144000"/>
@@ -145,6 +147,88 @@
 </inkml:ink>
 </file>
 
+<file path=ppt/ink/ink10.xml><?xml version="1.0" encoding="utf-8"?>
+<inkml:ink xmlns:inkml="http://www.w3.org/2003/InkML">
+  <inkml:definitions>
+    <inkml:context xml:id="ctx0">
+      <inkml:inkSource xml:id="inkSrc0">
+        <inkml:traceFormat>
+          <inkml:channel name="X" type="integer" min="-2.14748E9" max="2.14748E9" units="cm"/>
+          <inkml:channel name="Y" type="integer" min="-2.14748E9" max="2.14748E9" units="cm"/>
+          <inkml:channel name="F" type="integer" max="32767" units="dev"/>
+        </inkml:traceFormat>
+        <inkml:channelProperties>
+          <inkml:channelProperty channel="X" name="resolution" value="1000" units="1/cm"/>
+          <inkml:channelProperty channel="Y" name="resolution" value="1000" units="1/cm"/>
+          <inkml:channelProperty channel="F" name="resolution" value="0" units="1/dev"/>
+        </inkml:channelProperties>
+      </inkml:inkSource>
+      <inkml:timestamp xml:id="ts0" timeString="2024-11-14T14:08:26.768"/>
+    </inkml:context>
+    <inkml:brush xml:id="br0">
+      <inkml:brushProperty name="width" value="0.1" units="cm"/>
+      <inkml:brushProperty name="height" value="0.1" units="cm"/>
+    </inkml:brush>
+  </inkml:definitions>
+  <inkml:trace contextRef="#ctx0" brushRef="#br0">1 0 24575,'0'443'0,"-1"-439"0,1 0 0,0 0 0,0 0 0,1 0 0,-1 0 0,1 0 0,0 0 0,0 0 0,0 0 0,0 0 0,1 0 0,0-1 0,-1 1 0,1-1 0,1 1 0,-1-1 0,0 0 0,1 0 0,0 0 0,0 0 0,0 0 0,0 0 0,0-1 0,0 0 0,1 1 0,-1-1 0,1 0 0,-1-1 0,1 1 0,0-1 0,0 0 0,0 0 0,0 0 0,0 0 0,7 0 0,33 4 0,1-2 0,85-6 0,-27-1 0,1972 5 0,-1864-15 0,-18 0 0,-83 15 0,62-2 0,-136-5 0,1-1 0,58-19 0,25-5 0,-46 22 0,-1 3 0,131 7 0,-75 1 0,3564-2 0,-3616 3 0,113 21 0,19 2 0,237-23 0,-247-5 0,181 0 0,479 5 0,-560 11 0,84 1 0,4028-15 0,-2038-2 0,395 2 0,-2737-1-682,55-9-1,-51 4-6143</inkml:trace>
+</inkml:ink>
+</file>
+
+<file path=ppt/ink/ink11.xml><?xml version="1.0" encoding="utf-8"?>
+<inkml:ink xmlns:inkml="http://www.w3.org/2003/InkML">
+  <inkml:definitions>
+    <inkml:context xml:id="ctx0">
+      <inkml:inkSource xml:id="inkSrc0">
+        <inkml:traceFormat>
+          <inkml:channel name="X" type="integer" min="-2.14748E9" max="2.14748E9" units="cm"/>
+          <inkml:channel name="Y" type="integer" min="-2.14748E9" max="2.14748E9" units="cm"/>
+          <inkml:channel name="F" type="integer" max="32767" units="dev"/>
+        </inkml:traceFormat>
+        <inkml:channelProperties>
+          <inkml:channelProperty channel="X" name="resolution" value="1000" units="1/cm"/>
+          <inkml:channelProperty channel="Y" name="resolution" value="1000" units="1/cm"/>
+          <inkml:channelProperty channel="F" name="resolution" value="0" units="1/dev"/>
+        </inkml:channelProperties>
+      </inkml:inkSource>
+      <inkml:timestamp xml:id="ts0" timeString="2024-11-14T14:08:28.632"/>
+    </inkml:context>
+    <inkml:brush xml:id="br0">
+      <inkml:brushProperty name="width" value="0.1" units="cm"/>
+      <inkml:brushProperty name="height" value="0.1" units="cm"/>
+    </inkml:brush>
+  </inkml:definitions>
+  <inkml:trace contextRef="#ctx0" brushRef="#br0">5 464 24575,'0'-4'0,"0"-12"0,0-11 0,0-7 0,0-6 0,0-6 0,0 1 0,0 3 0,0 3 0,0 5 0,0 3 0,0 2 0,0 2 0,0 0 0,-5 5 0</inkml:trace>
+</inkml:ink>
+</file>
+
+<file path=ppt/ink/ink12.xml><?xml version="1.0" encoding="utf-8"?>
+<inkml:ink xmlns:inkml="http://www.w3.org/2003/InkML">
+  <inkml:definitions>
+    <inkml:context xml:id="ctx0">
+      <inkml:inkSource xml:id="inkSrc0">
+        <inkml:traceFormat>
+          <inkml:channel name="X" type="integer" min="-2.14748E9" max="2.14748E9" units="cm"/>
+          <inkml:channel name="Y" type="integer" min="-2.14748E9" max="2.14748E9" units="cm"/>
+          <inkml:channel name="F" type="integer" max="32767" units="dev"/>
+        </inkml:traceFormat>
+        <inkml:channelProperties>
+          <inkml:channelProperty channel="X" name="resolution" value="1000" units="1/cm"/>
+          <inkml:channelProperty channel="Y" name="resolution" value="1000" units="1/cm"/>
+          <inkml:channelProperty channel="F" name="resolution" value="0" units="1/dev"/>
+        </inkml:channelProperties>
+      </inkml:inkSource>
+      <inkml:timestamp xml:id="ts0" timeString="2024-11-14T14:08:40.416"/>
+    </inkml:context>
+    <inkml:brush xml:id="br0">
+      <inkml:brushProperty name="width" value="0.1" units="cm"/>
+      <inkml:brushProperty name="height" value="0.1" units="cm"/>
+      <inkml:brushProperty name="color" value="#E71224"/>
+    </inkml:brush>
+  </inkml:definitions>
+  <inkml:trace contextRef="#ctx0" brushRef="#br0">3 1 24575,'0'31'0,"-1"-20"0,0 0 0,1-1 0,0 1 0,1 0 0,0 0 0,1 0 0,0-1 0,1 1 0,0-1 0,0 0 0,6 11 0,-5-12 0,1 0 0,-1 1 0,4 16 0,10 19 0,-16-42 0,0 0 0,0 0 0,1 0 0,-1-1 0,1 1 0,-1-1 0,1 0 0,0 0 0,0 0 0,0 0 0,0 0 0,1-1 0,-1 1 0,0-1 0,1 0 0,-1 0 0,1 0 0,-1-1 0,1 1 0,4-1 0,11 2 0,1-2 0,30-2 0,-22 0 0,22 0 0,15-1 0,68 6 0,-68 10 0,-48-9 0,1 0 0,19 1 0,34-1 0,103-8 0,-172 4 0,0 0 0,0 0 0,0 0 0,1-1 0,-1 1 0,0-1 0,0 1 0,0-1 0,0 0 0,0 1 0,0-1 0,0 0 0,0-1 0,0 1 0,-1 0 0,1 0 0,0-1 0,-1 1 0,1-1 0,-1 1 0,1-1 0,-1 0 0,0 0 0,0 1 0,0-1 0,0 0 0,0 0 0,0 0 0,0 0 0,0 0 0,-1-1 0,1 1 0,-1-3 0,0-6 0,0 1 0,-1-1 0,-1 1 0,1 0 0,-7-19 0,-1-9 0,6 4-682,0-40-1,3 51-6143</inkml:trace>
+</inkml:ink>
+</file>
+
 <file path=ppt/ink/ink2.xml><?xml version="1.0" encoding="utf-8"?>
 <inkml:ink xmlns:inkml="http://www.w3.org/2003/InkML">
   <inkml:definitions>
@@ -252,6 +336,117 @@
     </inkml:brush>
   </inkml:definitions>
   <inkml:trace contextRef="#ctx0" brushRef="#br0">2 123 24575,'-1'60'0,"3"69"0,-2-125 0,1 0 0,-1 0 0,1 0 0,0-1 0,0 1 0,1 0 0,-1-1 0,1 1 0,0-1 0,0 0 0,0 1 0,0-1 0,0 0 0,1 0 0,0 0 0,-1-1 0,1 1 0,0-1 0,0 1 0,1-1 0,-1 0 0,0 0 0,1 0 0,-1-1 0,1 1 0,-1-1 0,1 0 0,0 0 0,3 0 0,13 3 0,1-2 0,-1 0 0,0-1 0,28-3 0,-21 1 0,399-3 0,-392 6 0,0 2 0,42 9 0,-33-5 0,9 1 0,-14-1 0,1-2 0,55 1 0,-1-9 0,87 3 0,-96 12 0,-55-7 0,48 2 0,499-6 0,-278-4 0,248 2 0,-513-2 0,-1-1 0,39-10 0,-17 3 0,84-17 0,-121 23 0,0 0 0,0-1 0,19-9 0,-22 8 0,0 1 0,1 0 0,-1 1 0,1 1 0,17-3 0,85 6 0,-89 2 0,0-1 0,0-2 0,0-1 0,0-1 0,42-10 0,-67 12 0,0 0 0,0 0 0,0-1 0,0 1 0,0-1 0,0 0 0,0 0 0,-1 0 0,1 0 0,-1 0 0,1 0 0,-1-1 0,0 1 0,0-1 0,3-5 0,-2 3 0,-1-1 0,0 1 0,0-1 0,0 0 0,-1 1 0,1-1 0,-1 0 0,0-8 0,-1-1 0,0-1 0,-1 0 0,-1 1 0,-1-1 0,-8-29 0,2 17-455,-1 0 0,-16-31 0,16 42-6371</inkml:trace>
+</inkml:ink>
+</file>
+
+<file path=ppt/ink/ink6.xml><?xml version="1.0" encoding="utf-8"?>
+<inkml:ink xmlns:inkml="http://www.w3.org/2003/InkML">
+  <inkml:definitions>
+    <inkml:context xml:id="ctx0">
+      <inkml:inkSource xml:id="inkSrc0">
+        <inkml:traceFormat>
+          <inkml:channel name="X" type="integer" min="-2.14748E9" max="2.14748E9" units="cm"/>
+          <inkml:channel name="Y" type="integer" min="-2.14748E9" max="2.14748E9" units="cm"/>
+          <inkml:channel name="F" type="integer" max="32767" units="dev"/>
+        </inkml:traceFormat>
+        <inkml:channelProperties>
+          <inkml:channelProperty channel="X" name="resolution" value="1000" units="1/cm"/>
+          <inkml:channelProperty channel="Y" name="resolution" value="1000" units="1/cm"/>
+          <inkml:channelProperty channel="F" name="resolution" value="0" units="1/dev"/>
+        </inkml:channelProperties>
+      </inkml:inkSource>
+      <inkml:timestamp xml:id="ts0" timeString="2024-11-14T13:27:26.594"/>
+    </inkml:context>
+    <inkml:brush xml:id="br0">
+      <inkml:brushProperty name="width" value="0.1" units="cm"/>
+      <inkml:brushProperty name="height" value="0.1" units="cm"/>
+    </inkml:brush>
+  </inkml:definitions>
+  <inkml:trace contextRef="#ctx0" brushRef="#br0">2 273 24575,'-1'99'0,"3"106"0,-2-203 0,1 1 0,-1 0 0,1-1 0,0 1 0,0 0 0,0-1 0,0 1 0,0-1 0,0 1 0,1-1 0,-1 0 0,1 1 0,0-1 0,-1 0 0,1 0 0,0 0 0,0-1 0,0 1 0,1 0 0,-1-1 0,0 1 0,1-1 0,-1 0 0,1 0 0,-1 0 0,1 0 0,-1 0 0,1 0 0,0-1 0,4 1 0,9 1 0,0-1 0,1 0 0,-1-2 0,19-2 0,-4 1 0,685-3 0,-392 8 0,1503-3 0,-1799 1 0,0 2 0,31 6 0,-28-3 0,45 2 0,492-6 0,-274-4 0,3366 2 0,-3503-14 0,-27 1 0,439 10 0,-293 6 0,3521-3 0,-3777 1 0,0 1 0,37 8 0,-35-5 0,0-1 0,26 1 0,510-3 0,-269-4 0,3492 2 0,-3721-3 0,0-3 0,-1-2 0,73-20 0,-121 26 0,0-1 0,-1 0 0,1-1 0,-1 0 0,0-1 0,18-10 0,-23 11 0,-1 1 0,0 0 0,-1-1 0,1 0 0,0 1 0,-1-1 0,0-1 0,0 1 0,0 0 0,-1-1 0,0 0 0,0 1 0,0-1 0,0 0 0,0 0 0,1-10 0,2-55 0,-5 52 0,1 1 0,1 0 0,6-26 0,-7 38 0,1 1 0,-1-1 0,0 0 0,-1 0 0,1 0 0,-1 1 0,0-1 0,0 0 0,-1 0 0,1 0 0,-1 0 0,0 0 0,-2-4 0,-2-1 0,0 0 0,0 1 0,-1 0 0,-11-13 0,12 15 0,-23-28 0,20 27 0,0-1 0,1-1 0,0 1 0,1-1 0,-11-22 0,-10-26-1365,16 40-5461</inkml:trace>
+</inkml:ink>
+</file>
+
+<file path=ppt/ink/ink7.xml><?xml version="1.0" encoding="utf-8"?>
+<inkml:ink xmlns:inkml="http://www.w3.org/2003/InkML">
+  <inkml:definitions>
+    <inkml:context xml:id="ctx0">
+      <inkml:inkSource xml:id="inkSrc0">
+        <inkml:traceFormat>
+          <inkml:channel name="X" type="integer" min="-2.14748E9" max="2.14748E9" units="cm"/>
+          <inkml:channel name="Y" type="integer" min="-2.14748E9" max="2.14748E9" units="cm"/>
+          <inkml:channel name="F" type="integer" max="32767" units="dev"/>
+        </inkml:traceFormat>
+        <inkml:channelProperties>
+          <inkml:channelProperty channel="X" name="resolution" value="1000" units="1/cm"/>
+          <inkml:channelProperty channel="Y" name="resolution" value="1000" units="1/cm"/>
+          <inkml:channelProperty channel="F" name="resolution" value="0" units="1/dev"/>
+        </inkml:channelProperties>
+      </inkml:inkSource>
+      <inkml:timestamp xml:id="ts0" timeString="2024-11-14T14:02:05.314"/>
+    </inkml:context>
+    <inkml:brush xml:id="br0">
+      <inkml:brushProperty name="width" value="0.1" units="cm"/>
+      <inkml:brushProperty name="height" value="0.1" units="cm"/>
+      <inkml:brushProperty name="color" value="#E71224"/>
+    </inkml:brush>
+  </inkml:definitions>
+  <inkml:trace contextRef="#ctx0" brushRef="#br0">0 0 24575,'0'7152'0,"28"-6720"0,0-21 0,-27 801 0,-4-533 0,3 558-1365,0-1214-5461</inkml:trace>
+</inkml:ink>
+</file>
+
+<file path=ppt/ink/ink8.xml><?xml version="1.0" encoding="utf-8"?>
+<inkml:ink xmlns:inkml="http://www.w3.org/2003/InkML">
+  <inkml:definitions>
+    <inkml:context xml:id="ctx0">
+      <inkml:inkSource xml:id="inkSrc0">
+        <inkml:traceFormat>
+          <inkml:channel name="X" type="integer" min="-2.14748E9" max="2.14748E9" units="cm"/>
+          <inkml:channel name="Y" type="integer" min="-2.14748E9" max="2.14748E9" units="cm"/>
+          <inkml:channel name="F" type="integer" max="32767" units="dev"/>
+        </inkml:traceFormat>
+        <inkml:channelProperties>
+          <inkml:channelProperty channel="X" name="resolution" value="1000" units="1/cm"/>
+          <inkml:channelProperty channel="Y" name="resolution" value="1000" units="1/cm"/>
+          <inkml:channelProperty channel="F" name="resolution" value="0" units="1/dev"/>
+        </inkml:channelProperties>
+      </inkml:inkSource>
+      <inkml:timestamp xml:id="ts0" timeString="2024-11-14T14:02:14.419"/>
+    </inkml:context>
+    <inkml:brush xml:id="br0">
+      <inkml:brushProperty name="width" value="0.1" units="cm"/>
+      <inkml:brushProperty name="height" value="0.1" units="cm"/>
+      <inkml:brushProperty name="color" value="#E71224"/>
+    </inkml:brush>
+  </inkml:definitions>
+  <inkml:trace contextRef="#ctx0" brushRef="#br0">0 0 24575,'0'0'-8191</inkml:trace>
+</inkml:ink>
+</file>
+
+<file path=ppt/ink/ink9.xml><?xml version="1.0" encoding="utf-8"?>
+<inkml:ink xmlns:inkml="http://www.w3.org/2003/InkML">
+  <inkml:definitions>
+    <inkml:context xml:id="ctx0">
+      <inkml:inkSource xml:id="inkSrc0">
+        <inkml:traceFormat>
+          <inkml:channel name="X" type="integer" min="-2.14748E9" max="2.14748E9" units="cm"/>
+          <inkml:channel name="Y" type="integer" min="-2.14748E9" max="2.14748E9" units="cm"/>
+          <inkml:channel name="F" type="integer" max="32767" units="dev"/>
+        </inkml:traceFormat>
+        <inkml:channelProperties>
+          <inkml:channelProperty channel="X" name="resolution" value="1000" units="1/cm"/>
+          <inkml:channelProperty channel="Y" name="resolution" value="1000" units="1/cm"/>
+          <inkml:channelProperty channel="F" name="resolution" value="0" units="1/dev"/>
+        </inkml:channelProperties>
+      </inkml:inkSource>
+      <inkml:timestamp xml:id="ts0" timeString="2024-11-14T14:07:24.180"/>
+    </inkml:context>
+    <inkml:brush xml:id="br0">
+      <inkml:brushProperty name="width" value="0.1" units="cm"/>
+      <inkml:brushProperty name="height" value="0.1" units="cm"/>
+      <inkml:brushProperty name="color" value="#E71224"/>
+    </inkml:brush>
+  </inkml:definitions>
+  <inkml:trace contextRef="#ctx0" brushRef="#br0">1 140 24575,'2'34'0,"2"-1"0,1 1 0,17 59 0,-2-13 0,-20-76 0,1 1 0,0-1 0,1 1 0,-1-1 0,1 0 0,0 0 0,0 1 0,0-1 0,0 0 0,1-1 0,-1 1 0,1 0 0,0-1 0,7 6 0,-6-6 0,1-1 0,-1 1 0,1-1 0,0 0 0,0 0 0,0-1 0,1 0 0,-1 0 0,0 0 0,0 0 0,1-1 0,7 0 0,291-5 0,-277 4 0,0-2 0,32-6 0,-29 3 0,45-2 0,15 9 0,38-2 0,-62-13 0,-50 10 0,1 0 0,22-1 0,195 5 0,23-2 0,-173-10 0,-54 6 0,47-3 0,19 11 0,-62 0 0,-1-1 0,0-2 0,44-7 0,-73 8 0,0-1 0,0 0 0,0 0 0,0 0 0,0 0 0,0-1 0,0 0 0,0 0 0,-1 0 0,1 0 0,-1 0 0,1-1 0,-1 1 0,0-1 0,0 0 0,0 0 0,-1 0 0,1-1 0,-1 1 0,1 0 0,-1-1 0,0 0 0,-1 1 0,1-1 0,0 0 0,-1 0 0,0 0 0,0 0 0,0 0 0,-1 0 0,1-1 0,-1 1 0,0-6 0,-1-17 0,-1 0 0,0 0 0,-14-53 0,3 18 0,-4-1-1365,12 45-5461</inkml:trace>
 </inkml:ink>
 </file>
 
@@ -4356,8 +4551,8 @@
           </p:pic>
         </mc:Fallback>
       </mc:AlternateContent>
-      <mc:AlternateContent xmlns:mc="http://schemas.openxmlformats.org/markup-compatibility/2006">
-        <mc:Choice xmlns:p14="http://schemas.microsoft.com/office/powerpoint/2010/main" Requires="p14">
+      <mc:AlternateContent xmlns:mc="http://schemas.openxmlformats.org/markup-compatibility/2006" xmlns:p14="http://schemas.microsoft.com/office/powerpoint/2010/main">
+        <mc:Choice Requires="p14">
           <p:contentPart p14:bwMode="auto" r:id="rId5">
             <p14:nvContentPartPr>
               <p14:cNvPr id="21" name="Ink 20">
@@ -4376,7 +4571,7 @@
             </p14:xfrm>
           </p:contentPart>
         </mc:Choice>
-        <mc:Fallback>
+        <mc:Fallback xmlns="">
           <p:pic>
             <p:nvPicPr>
               <p:cNvPr id="21" name="Ink 20">
@@ -4915,8 +5110,8 @@
           </a:p>
         </p:txBody>
       </p:sp>
-      <mc:AlternateContent xmlns:mc="http://schemas.openxmlformats.org/markup-compatibility/2006">
-        <mc:Choice xmlns:p14="http://schemas.microsoft.com/office/powerpoint/2010/main" Requires="p14">
+      <mc:AlternateContent xmlns:mc="http://schemas.openxmlformats.org/markup-compatibility/2006" xmlns:p14="http://schemas.microsoft.com/office/powerpoint/2010/main">
+        <mc:Choice Requires="p14">
           <p:contentPart p14:bwMode="auto" r:id="rId3">
             <p14:nvContentPartPr>
               <p14:cNvPr id="3" name="Ink 2">
@@ -4935,7 +5130,7 @@
             </p14:xfrm>
           </p:contentPart>
         </mc:Choice>
-        <mc:Fallback>
+        <mc:Fallback xmlns="">
           <p:pic>
             <p:nvPicPr>
               <p:cNvPr id="3" name="Ink 2">
@@ -4966,8 +5161,8 @@
           </p:pic>
         </mc:Fallback>
       </mc:AlternateContent>
-      <mc:AlternateContent xmlns:mc="http://schemas.openxmlformats.org/markup-compatibility/2006">
-        <mc:Choice xmlns:p14="http://schemas.microsoft.com/office/powerpoint/2010/main" Requires="p14">
+      <mc:AlternateContent xmlns:mc="http://schemas.openxmlformats.org/markup-compatibility/2006" xmlns:p14="http://schemas.microsoft.com/office/powerpoint/2010/main">
+        <mc:Choice Requires="p14">
           <p:contentPart p14:bwMode="auto" r:id="rId5">
             <p14:nvContentPartPr>
               <p14:cNvPr id="8" name="Ink 7">
@@ -4986,7 +5181,7 @@
             </p14:xfrm>
           </p:contentPart>
         </mc:Choice>
-        <mc:Fallback>
+        <mc:Fallback xmlns="">
           <p:pic>
             <p:nvPicPr>
               <p:cNvPr id="8" name="Ink 7">
@@ -5078,7 +5273,7 @@
         <p:spPr>
           <a:xfrm>
             <a:off x="1997916" y="3185652"/>
-            <a:ext cx="936154" cy="369332"/>
+            <a:ext cx="1025922" cy="369332"/>
           </a:xfrm>
           <a:prstGeom prst="rect">
             <a:avLst/>
@@ -5093,7 +5288,7 @@
           <a:p>
             <a:r>
               <a:rPr lang="en-US" dirty="0"/>
-              <a:t>Content</a:t>
+              <a:t>Contents</a:t>
             </a:r>
           </a:p>
         </p:txBody>
@@ -5208,8 +5403,8 @@
           </a:prstGeom>
         </p:spPr>
       </p:pic>
-      <mc:AlternateContent xmlns:mc="http://schemas.openxmlformats.org/markup-compatibility/2006">
-        <mc:Choice xmlns:p14="http://schemas.microsoft.com/office/powerpoint/2010/main" Requires="p14">
+      <mc:AlternateContent xmlns:mc="http://schemas.openxmlformats.org/markup-compatibility/2006" xmlns:p14="http://schemas.microsoft.com/office/powerpoint/2010/main">
+        <mc:Choice Requires="p14">
           <p:contentPart p14:bwMode="auto" r:id="rId3">
             <p14:nvContentPartPr>
               <p14:cNvPr id="10" name="Ink 9">
@@ -5228,7 +5423,7 @@
             </p14:xfrm>
           </p:contentPart>
         </mc:Choice>
-        <mc:Fallback>
+        <mc:Fallback xmlns="">
           <p:pic>
             <p:nvPicPr>
               <p:cNvPr id="10" name="Ink 9">
@@ -5259,10 +5454,1009 @@
           </p:pic>
         </mc:Fallback>
       </mc:AlternateContent>
+      <p:sp>
+        <p:nvSpPr>
+          <p:cNvPr id="17" name="TextBox 16">
+            <a:extLst>
+              <a:ext uri="{FF2B5EF4-FFF2-40B4-BE49-F238E27FC236}">
+                <a16:creationId xmlns:a16="http://schemas.microsoft.com/office/drawing/2014/main" id="{0E72F35F-0D52-5526-935F-F721AE2DD5FE}"/>
+              </a:ext>
+            </a:extLst>
+          </p:cNvPr>
+          <p:cNvSpPr txBox="1"/>
+          <p:nvPr/>
+        </p:nvSpPr>
+        <p:spPr>
+          <a:xfrm>
+            <a:off x="2319817" y="4478730"/>
+            <a:ext cx="924828" cy="646331"/>
+          </a:xfrm>
+          <a:prstGeom prst="rect">
+            <a:avLst/>
+          </a:prstGeom>
+          <a:noFill/>
+        </p:spPr>
+        <p:txBody>
+          <a:bodyPr wrap="square">
+            <a:spAutoFit/>
+          </a:bodyPr>
+          <a:lstStyle/>
+          <a:p>
+            <a:r>
+              <a:rPr lang="en-US" dirty="0">
+                <a:solidFill>
+                  <a:srgbClr val="FF0000"/>
+                </a:solidFill>
+              </a:rPr>
+              <a:t>Sidebar</a:t>
+            </a:r>
+          </a:p>
+          <a:p>
+            <a:r>
+              <a:rPr lang="en-US" dirty="0">
+                <a:solidFill>
+                  <a:srgbClr val="FF0000"/>
+                </a:solidFill>
+              </a:rPr>
+              <a:t>Flex 0;</a:t>
+            </a:r>
+          </a:p>
+        </p:txBody>
+      </p:sp>
+      <p:sp>
+        <p:nvSpPr>
+          <p:cNvPr id="19" name="TextBox 18">
+            <a:extLst>
+              <a:ext uri="{FF2B5EF4-FFF2-40B4-BE49-F238E27FC236}">
+                <a16:creationId xmlns:a16="http://schemas.microsoft.com/office/drawing/2014/main" id="{6A9A9541-4DC4-0088-3405-A67CD120B3D3}"/>
+              </a:ext>
+            </a:extLst>
+          </p:cNvPr>
+          <p:cNvSpPr txBox="1"/>
+          <p:nvPr/>
+        </p:nvSpPr>
+        <p:spPr>
+          <a:xfrm>
+            <a:off x="5456904" y="4478730"/>
+            <a:ext cx="1517723" cy="646331"/>
+          </a:xfrm>
+          <a:prstGeom prst="rect">
+            <a:avLst/>
+          </a:prstGeom>
+          <a:noFill/>
+        </p:spPr>
+        <p:txBody>
+          <a:bodyPr wrap="none" rtlCol="0">
+            <a:spAutoFit/>
+          </a:bodyPr>
+          <a:lstStyle/>
+          <a:p>
+            <a:r>
+              <a:rPr lang="en-US" dirty="0"/>
+              <a:t>Class contents</a:t>
+            </a:r>
+          </a:p>
+          <a:p>
+            <a:r>
+              <a:rPr lang="en-US" dirty="0"/>
+              <a:t>Flex 1;</a:t>
+            </a:r>
+          </a:p>
+        </p:txBody>
+      </p:sp>
+      <p:sp>
+        <p:nvSpPr>
+          <p:cNvPr id="20" name="TextBox 19">
+            <a:extLst>
+              <a:ext uri="{FF2B5EF4-FFF2-40B4-BE49-F238E27FC236}">
+                <a16:creationId xmlns:a16="http://schemas.microsoft.com/office/drawing/2014/main" id="{E294960E-F053-2648-EEE9-380D71F275C7}"/>
+              </a:ext>
+            </a:extLst>
+          </p:cNvPr>
+          <p:cNvSpPr txBox="1"/>
+          <p:nvPr/>
+        </p:nvSpPr>
+        <p:spPr>
+          <a:xfrm>
+            <a:off x="3244645" y="5643716"/>
+            <a:ext cx="2305055" cy="646331"/>
+          </a:xfrm>
+          <a:prstGeom prst="rect">
+            <a:avLst/>
+          </a:prstGeom>
+          <a:noFill/>
+        </p:spPr>
+        <p:txBody>
+          <a:bodyPr wrap="none" rtlCol="0">
+            <a:spAutoFit/>
+          </a:bodyPr>
+          <a:lstStyle/>
+          <a:p>
+            <a:r>
+              <a:rPr lang="en-US" dirty="0"/>
+              <a:t>flex-direction: column;</a:t>
+            </a:r>
+          </a:p>
+          <a:p>
+            <a:endParaRPr lang="en-US" dirty="0"/>
+          </a:p>
+        </p:txBody>
+      </p:sp>
+      <mc:AlternateContent xmlns:mc="http://schemas.openxmlformats.org/markup-compatibility/2006">
+        <mc:Choice xmlns:p14="http://schemas.microsoft.com/office/powerpoint/2010/main" Requires="p14">
+          <p:contentPart p14:bwMode="auto" r:id="rId5">
+            <p14:nvContentPartPr>
+              <p14:cNvPr id="22" name="Ink 21">
+                <a:extLst>
+                  <a:ext uri="{FF2B5EF4-FFF2-40B4-BE49-F238E27FC236}">
+                    <a16:creationId xmlns:a16="http://schemas.microsoft.com/office/drawing/2014/main" id="{89F7356D-D55A-9835-94E3-7937343562C2}"/>
+                  </a:ext>
+                </a:extLst>
+              </p14:cNvPr>
+              <p14:cNvContentPartPr/>
+              <p14:nvPr/>
+            </p14:nvContentPartPr>
+            <p14:xfrm>
+              <a:off x="3912457" y="4070276"/>
+              <a:ext cx="6489000" cy="237240"/>
+            </p14:xfrm>
+          </p:contentPart>
+        </mc:Choice>
+        <mc:Fallback>
+          <p:pic>
+            <p:nvPicPr>
+              <p:cNvPr id="22" name="Ink 21">
+                <a:extLst>
+                  <a:ext uri="{FF2B5EF4-FFF2-40B4-BE49-F238E27FC236}">
+                    <a16:creationId xmlns:a16="http://schemas.microsoft.com/office/drawing/2014/main" id="{89F7356D-D55A-9835-94E3-7937343562C2}"/>
+                  </a:ext>
+                </a:extLst>
+              </p:cNvPr>
+              <p:cNvPicPr/>
+              <p:nvPr/>
+            </p:nvPicPr>
+            <p:blipFill>
+              <a:blip r:embed="rId6"/>
+              <a:stretch>
+                <a:fillRect/>
+              </a:stretch>
+            </p:blipFill>
+            <p:spPr>
+              <a:xfrm>
+                <a:off x="3894817" y="4052636"/>
+                <a:ext cx="6524640" cy="272880"/>
+              </a:xfrm>
+              <a:prstGeom prst="rect">
+                <a:avLst/>
+              </a:prstGeom>
+            </p:spPr>
+          </p:pic>
+        </mc:Fallback>
+      </mc:AlternateContent>
     </p:spTree>
     <p:extLst>
       <p:ext uri="{BB962C8B-B14F-4D97-AF65-F5344CB8AC3E}">
         <p14:creationId xmlns:p14="http://schemas.microsoft.com/office/powerpoint/2010/main" val="2084993665"/>
+      </p:ext>
+    </p:extLst>
+  </p:cSld>
+  <p:clrMapOvr>
+    <a:masterClrMapping/>
+  </p:clrMapOvr>
+</p:sld>
+</file>
+
+<file path=ppt/slides/slide7.xml><?xml version="1.0" encoding="utf-8"?>
+<p:sld xmlns:a="http://schemas.openxmlformats.org/drawingml/2006/main" xmlns:r="http://schemas.openxmlformats.org/officeDocument/2006/relationships" xmlns:p="http://schemas.openxmlformats.org/presentationml/2006/main">
+  <p:cSld>
+    <p:spTree>
+      <p:nvGrpSpPr>
+        <p:cNvPr id="1" name=""/>
+        <p:cNvGrpSpPr/>
+        <p:nvPr/>
+      </p:nvGrpSpPr>
+      <p:grpSpPr>
+        <a:xfrm>
+          <a:off x="0" y="0"/>
+          <a:ext cx="0" cy="0"/>
+          <a:chOff x="0" y="0"/>
+          <a:chExt cx="0" cy="0"/>
+        </a:xfrm>
+      </p:grpSpPr>
+      <p:pic>
+        <p:nvPicPr>
+          <p:cNvPr id="6" name="Picture 5">
+            <a:extLst>
+              <a:ext uri="{FF2B5EF4-FFF2-40B4-BE49-F238E27FC236}">
+                <a16:creationId xmlns:a16="http://schemas.microsoft.com/office/drawing/2014/main" id="{9C785B91-05CD-6018-094B-3C00C77515BF}"/>
+              </a:ext>
+            </a:extLst>
+          </p:cNvPr>
+          <p:cNvPicPr>
+            <a:picLocks noChangeAspect="1"/>
+          </p:cNvPicPr>
+          <p:nvPr/>
+        </p:nvPicPr>
+        <p:blipFill>
+          <a:blip r:embed="rId2">
+            <a:extLst>
+              <a:ext uri="{28A0092B-C50C-407E-A947-70E740481C1C}">
+                <a14:useLocalDpi xmlns:a14="http://schemas.microsoft.com/office/drawing/2010/main" val="0"/>
+              </a:ext>
+            </a:extLst>
+          </a:blip>
+          <a:stretch>
+            <a:fillRect/>
+          </a:stretch>
+        </p:blipFill>
+        <p:spPr>
+          <a:xfrm>
+            <a:off x="1812283" y="927285"/>
+            <a:ext cx="1756826" cy="3919072"/>
+          </a:xfrm>
+          <a:prstGeom prst="rect">
+            <a:avLst/>
+          </a:prstGeom>
+        </p:spPr>
+      </p:pic>
+      <p:sp>
+        <p:nvSpPr>
+          <p:cNvPr id="7" name="TextBox 6">
+            <a:extLst>
+              <a:ext uri="{FF2B5EF4-FFF2-40B4-BE49-F238E27FC236}">
+                <a16:creationId xmlns:a16="http://schemas.microsoft.com/office/drawing/2014/main" id="{670A3372-8117-BEB3-93F4-D5AEBBCB6F15}"/>
+              </a:ext>
+            </a:extLst>
+          </p:cNvPr>
+          <p:cNvSpPr txBox="1"/>
+          <p:nvPr/>
+        </p:nvSpPr>
+        <p:spPr>
+          <a:xfrm>
+            <a:off x="1812283" y="5299588"/>
+            <a:ext cx="1968937" cy="923330"/>
+          </a:xfrm>
+          <a:prstGeom prst="rect">
+            <a:avLst/>
+          </a:prstGeom>
+          <a:noFill/>
+        </p:spPr>
+        <p:txBody>
+          <a:bodyPr wrap="none" rtlCol="0">
+            <a:spAutoFit/>
+          </a:bodyPr>
+          <a:lstStyle/>
+          <a:p>
+            <a:r>
+              <a:rPr lang="en-US" dirty="0"/>
+              <a:t>flex-direction: row;</a:t>
+            </a:r>
+          </a:p>
+          <a:p>
+            <a:endParaRPr lang="en-US" dirty="0"/>
+          </a:p>
+          <a:p>
+            <a:endParaRPr lang="en-US" dirty="0"/>
+          </a:p>
+        </p:txBody>
+      </p:sp>
+      <p:sp>
+        <p:nvSpPr>
+          <p:cNvPr id="8" name="TextBox 7">
+            <a:extLst>
+              <a:ext uri="{FF2B5EF4-FFF2-40B4-BE49-F238E27FC236}">
+                <a16:creationId xmlns:a16="http://schemas.microsoft.com/office/drawing/2014/main" id="{EA7221C1-973D-AB38-E002-B8302FCC1392}"/>
+              </a:ext>
+            </a:extLst>
+          </p:cNvPr>
+          <p:cNvSpPr txBox="1"/>
+          <p:nvPr/>
+        </p:nvSpPr>
+        <p:spPr>
+          <a:xfrm>
+            <a:off x="2231923" y="481781"/>
+            <a:ext cx="896399" cy="369332"/>
+          </a:xfrm>
+          <a:prstGeom prst="rect">
+            <a:avLst/>
+          </a:prstGeom>
+          <a:noFill/>
+        </p:spPr>
+        <p:txBody>
+          <a:bodyPr wrap="none" rtlCol="0">
+            <a:spAutoFit/>
+          </a:bodyPr>
+          <a:lstStyle/>
+          <a:p>
+            <a:r>
+              <a:rPr lang="en-US" dirty="0" err="1"/>
+              <a:t>SideBar</a:t>
+            </a:r>
+            <a:endParaRPr lang="en-US" dirty="0"/>
+          </a:p>
+        </p:txBody>
+      </p:sp>
+      <p:pic>
+        <p:nvPicPr>
+          <p:cNvPr id="9" name="Picture 8">
+            <a:extLst>
+              <a:ext uri="{FF2B5EF4-FFF2-40B4-BE49-F238E27FC236}">
+                <a16:creationId xmlns:a16="http://schemas.microsoft.com/office/drawing/2014/main" id="{8EE53F77-1F93-EB37-DD51-D65EDD38A9C5}"/>
+              </a:ext>
+            </a:extLst>
+          </p:cNvPr>
+          <p:cNvPicPr>
+            <a:picLocks noChangeAspect="1"/>
+          </p:cNvPicPr>
+          <p:nvPr/>
+        </p:nvPicPr>
+        <p:blipFill>
+          <a:blip r:embed="rId3">
+            <a:extLst>
+              <a:ext uri="{28A0092B-C50C-407E-A947-70E740481C1C}">
+                <a14:useLocalDpi xmlns:a14="http://schemas.microsoft.com/office/drawing/2010/main" val="0"/>
+              </a:ext>
+            </a:extLst>
+          </a:blip>
+          <a:stretch>
+            <a:fillRect/>
+          </a:stretch>
+        </p:blipFill>
+        <p:spPr>
+          <a:xfrm>
+            <a:off x="5178854" y="1172465"/>
+            <a:ext cx="5718933" cy="3428712"/>
+          </a:xfrm>
+          <a:prstGeom prst="rect">
+            <a:avLst/>
+          </a:prstGeom>
+        </p:spPr>
+      </p:pic>
+      <p:sp>
+        <p:nvSpPr>
+          <p:cNvPr id="10" name="TextBox 9">
+            <a:extLst>
+              <a:ext uri="{FF2B5EF4-FFF2-40B4-BE49-F238E27FC236}">
+                <a16:creationId xmlns:a16="http://schemas.microsoft.com/office/drawing/2014/main" id="{49DD4E13-1420-0DF6-3F17-3E251230B228}"/>
+              </a:ext>
+            </a:extLst>
+          </p:cNvPr>
+          <p:cNvSpPr txBox="1"/>
+          <p:nvPr/>
+        </p:nvSpPr>
+        <p:spPr>
+          <a:xfrm>
+            <a:off x="6945161" y="590503"/>
+            <a:ext cx="1517723" cy="369332"/>
+          </a:xfrm>
+          <a:prstGeom prst="rect">
+            <a:avLst/>
+          </a:prstGeom>
+          <a:noFill/>
+        </p:spPr>
+        <p:txBody>
+          <a:bodyPr wrap="none" rtlCol="0">
+            <a:spAutoFit/>
+          </a:bodyPr>
+          <a:lstStyle/>
+          <a:p>
+            <a:r>
+              <a:rPr lang="en-US" dirty="0"/>
+              <a:t>Class contents</a:t>
+            </a:r>
+          </a:p>
+        </p:txBody>
+      </p:sp>
+      <p:sp>
+        <p:nvSpPr>
+          <p:cNvPr id="11" name="TextBox 10">
+            <a:extLst>
+              <a:ext uri="{FF2B5EF4-FFF2-40B4-BE49-F238E27FC236}">
+                <a16:creationId xmlns:a16="http://schemas.microsoft.com/office/drawing/2014/main" id="{DC35D161-5893-50A8-F865-41DA4202F77D}"/>
+              </a:ext>
+            </a:extLst>
+          </p:cNvPr>
+          <p:cNvSpPr txBox="1"/>
+          <p:nvPr/>
+        </p:nvSpPr>
+        <p:spPr>
+          <a:xfrm>
+            <a:off x="7462684" y="5260258"/>
+            <a:ext cx="1968937" cy="646331"/>
+          </a:xfrm>
+          <a:prstGeom prst="rect">
+            <a:avLst/>
+          </a:prstGeom>
+          <a:noFill/>
+        </p:spPr>
+        <p:txBody>
+          <a:bodyPr wrap="none" rtlCol="0">
+            <a:spAutoFit/>
+          </a:bodyPr>
+          <a:lstStyle/>
+          <a:p>
+            <a:r>
+              <a:rPr lang="en-US" dirty="0"/>
+              <a:t>flex-direction: row;</a:t>
+            </a:r>
+          </a:p>
+          <a:p>
+            <a:endParaRPr lang="en-US" dirty="0"/>
+          </a:p>
+        </p:txBody>
+      </p:sp>
+      <mc:AlternateContent xmlns:mc="http://schemas.openxmlformats.org/markup-compatibility/2006">
+        <mc:Choice xmlns:p14="http://schemas.microsoft.com/office/powerpoint/2010/main" Requires="p14">
+          <p:contentPart p14:bwMode="auto" r:id="rId4">
+            <p14:nvContentPartPr>
+              <p14:cNvPr id="16" name="Ink 15">
+                <a:extLst>
+                  <a:ext uri="{FF2B5EF4-FFF2-40B4-BE49-F238E27FC236}">
+                    <a16:creationId xmlns:a16="http://schemas.microsoft.com/office/drawing/2014/main" id="{AD6DCAF3-8D45-7DDE-1770-828742DD78C4}"/>
+                  </a:ext>
+                </a:extLst>
+              </p14:cNvPr>
+              <p14:cNvContentPartPr/>
+              <p14:nvPr/>
+            </p14:nvContentPartPr>
+            <p14:xfrm>
+              <a:off x="4306657" y="835676"/>
+              <a:ext cx="20520" cy="4012920"/>
+            </p14:xfrm>
+          </p:contentPart>
+        </mc:Choice>
+        <mc:Fallback>
+          <p:pic>
+            <p:nvPicPr>
+              <p:cNvPr id="16" name="Ink 15">
+                <a:extLst>
+                  <a:ext uri="{FF2B5EF4-FFF2-40B4-BE49-F238E27FC236}">
+                    <a16:creationId xmlns:a16="http://schemas.microsoft.com/office/drawing/2014/main" id="{AD6DCAF3-8D45-7DDE-1770-828742DD78C4}"/>
+                  </a:ext>
+                </a:extLst>
+              </p:cNvPr>
+              <p:cNvPicPr/>
+              <p:nvPr/>
+            </p:nvPicPr>
+            <p:blipFill>
+              <a:blip r:embed="rId5"/>
+              <a:stretch>
+                <a:fillRect/>
+              </a:stretch>
+            </p:blipFill>
+            <p:spPr>
+              <a:xfrm>
+                <a:off x="4288657" y="817676"/>
+                <a:ext cx="56160" cy="4048560"/>
+              </a:xfrm>
+              <a:prstGeom prst="rect">
+                <a:avLst/>
+              </a:prstGeom>
+            </p:spPr>
+          </p:pic>
+        </mc:Fallback>
+      </mc:AlternateContent>
+      <mc:AlternateContent xmlns:mc="http://schemas.openxmlformats.org/markup-compatibility/2006">
+        <mc:Choice xmlns:p14="http://schemas.microsoft.com/office/powerpoint/2010/main" Requires="p14">
+          <p:contentPart p14:bwMode="auto" r:id="rId6">
+            <p14:nvContentPartPr>
+              <p14:cNvPr id="17" name="Ink 16">
+                <a:extLst>
+                  <a:ext uri="{FF2B5EF4-FFF2-40B4-BE49-F238E27FC236}">
+                    <a16:creationId xmlns:a16="http://schemas.microsoft.com/office/drawing/2014/main" id="{926F5B33-43CE-C6A6-8B1E-C7ED336001F9}"/>
+                  </a:ext>
+                </a:extLst>
+              </p14:cNvPr>
+              <p14:cNvContentPartPr/>
+              <p14:nvPr/>
+            </p14:nvContentPartPr>
+            <p14:xfrm>
+              <a:off x="13656937" y="845396"/>
+              <a:ext cx="360" cy="360"/>
+            </p14:xfrm>
+          </p:contentPart>
+        </mc:Choice>
+        <mc:Fallback>
+          <p:pic>
+            <p:nvPicPr>
+              <p:cNvPr id="17" name="Ink 16">
+                <a:extLst>
+                  <a:ext uri="{FF2B5EF4-FFF2-40B4-BE49-F238E27FC236}">
+                    <a16:creationId xmlns:a16="http://schemas.microsoft.com/office/drawing/2014/main" id="{926F5B33-43CE-C6A6-8B1E-C7ED336001F9}"/>
+                  </a:ext>
+                </a:extLst>
+              </p:cNvPr>
+              <p:cNvPicPr/>
+              <p:nvPr/>
+            </p:nvPicPr>
+            <p:blipFill>
+              <a:blip r:embed="rId7"/>
+              <a:stretch>
+                <a:fillRect/>
+              </a:stretch>
+            </p:blipFill>
+            <p:spPr>
+              <a:xfrm>
+                <a:off x="13638937" y="827396"/>
+                <a:ext cx="36000" cy="36000"/>
+              </a:xfrm>
+              <a:prstGeom prst="rect">
+                <a:avLst/>
+              </a:prstGeom>
+            </p:spPr>
+          </p:pic>
+        </mc:Fallback>
+      </mc:AlternateContent>
+    </p:spTree>
+    <p:extLst>
+      <p:ext uri="{BB962C8B-B14F-4D97-AF65-F5344CB8AC3E}">
+        <p14:creationId xmlns:p14="http://schemas.microsoft.com/office/powerpoint/2010/main" val="2908582389"/>
+      </p:ext>
+    </p:extLst>
+  </p:cSld>
+  <p:clrMapOvr>
+    <a:masterClrMapping/>
+  </p:clrMapOvr>
+</p:sld>
+</file>
+
+<file path=ppt/slides/slide8.xml><?xml version="1.0" encoding="utf-8"?>
+<p:sld xmlns:a="http://schemas.openxmlformats.org/drawingml/2006/main" xmlns:r="http://schemas.openxmlformats.org/officeDocument/2006/relationships" xmlns:p="http://schemas.openxmlformats.org/presentationml/2006/main">
+  <p:cSld>
+    <p:spTree>
+      <p:nvGrpSpPr>
+        <p:cNvPr id="1" name=""/>
+        <p:cNvGrpSpPr/>
+        <p:nvPr/>
+      </p:nvGrpSpPr>
+      <p:grpSpPr>
+        <a:xfrm>
+          <a:off x="0" y="0"/>
+          <a:ext cx="0" cy="0"/>
+          <a:chOff x="0" y="0"/>
+          <a:chExt cx="0" cy="0"/>
+        </a:xfrm>
+      </p:grpSpPr>
+      <p:pic>
+        <p:nvPicPr>
+          <p:cNvPr id="5" name="Picture 4">
+            <a:extLst>
+              <a:ext uri="{FF2B5EF4-FFF2-40B4-BE49-F238E27FC236}">
+                <a16:creationId xmlns:a16="http://schemas.microsoft.com/office/drawing/2014/main" id="{7F0AAC52-5739-700C-B533-0E89E7076D1D}"/>
+              </a:ext>
+            </a:extLst>
+          </p:cNvPr>
+          <p:cNvPicPr>
+            <a:picLocks noChangeAspect="1"/>
+          </p:cNvPicPr>
+          <p:nvPr/>
+        </p:nvPicPr>
+        <p:blipFill>
+          <a:blip r:embed="rId2">
+            <a:extLst>
+              <a:ext uri="{28A0092B-C50C-407E-A947-70E740481C1C}">
+                <a14:useLocalDpi xmlns:a14="http://schemas.microsoft.com/office/drawing/2010/main" val="0"/>
+              </a:ext>
+            </a:extLst>
+          </a:blip>
+          <a:stretch>
+            <a:fillRect/>
+          </a:stretch>
+        </p:blipFill>
+        <p:spPr>
+          <a:xfrm>
+            <a:off x="1367747" y="850765"/>
+            <a:ext cx="8919264" cy="1046861"/>
+          </a:xfrm>
+          <a:prstGeom prst="rect">
+            <a:avLst/>
+          </a:prstGeom>
+        </p:spPr>
+      </p:pic>
+      <mc:AlternateContent xmlns:mc="http://schemas.openxmlformats.org/markup-compatibility/2006">
+        <mc:Choice xmlns:p14="http://schemas.microsoft.com/office/powerpoint/2010/main" Requires="p14">
+          <p:contentPart p14:bwMode="auto" r:id="rId3">
+            <p14:nvContentPartPr>
+              <p14:cNvPr id="6" name="Ink 5">
+                <a:extLst>
+                  <a:ext uri="{FF2B5EF4-FFF2-40B4-BE49-F238E27FC236}">
+                    <a16:creationId xmlns:a16="http://schemas.microsoft.com/office/drawing/2014/main" id="{CA3A91B9-C071-94D5-F255-05E36926EE8C}"/>
+                  </a:ext>
+                </a:extLst>
+              </p14:cNvPr>
+              <p14:cNvContentPartPr/>
+              <p14:nvPr/>
+            </p14:nvContentPartPr>
+            <p14:xfrm>
+              <a:off x="1435297" y="1886876"/>
+              <a:ext cx="749520" cy="180000"/>
+            </p14:xfrm>
+          </p:contentPart>
+        </mc:Choice>
+        <mc:Fallback>
+          <p:pic>
+            <p:nvPicPr>
+              <p:cNvPr id="6" name="Ink 5">
+                <a:extLst>
+                  <a:ext uri="{FF2B5EF4-FFF2-40B4-BE49-F238E27FC236}">
+                    <a16:creationId xmlns:a16="http://schemas.microsoft.com/office/drawing/2014/main" id="{CA3A91B9-C071-94D5-F255-05E36926EE8C}"/>
+                  </a:ext>
+                </a:extLst>
+              </p:cNvPr>
+              <p:cNvPicPr/>
+              <p:nvPr/>
+            </p:nvPicPr>
+            <p:blipFill>
+              <a:blip r:embed="rId4"/>
+              <a:stretch>
+                <a:fillRect/>
+              </a:stretch>
+            </p:blipFill>
+            <p:spPr>
+              <a:xfrm>
+                <a:off x="1417657" y="1869236"/>
+                <a:ext cx="785160" cy="215640"/>
+              </a:xfrm>
+              <a:prstGeom prst="rect">
+                <a:avLst/>
+              </a:prstGeom>
+            </p:spPr>
+          </p:pic>
+        </mc:Fallback>
+      </mc:AlternateContent>
+      <p:grpSp>
+        <p:nvGrpSpPr>
+          <p:cNvPr id="17" name="Group 16">
+            <a:extLst>
+              <a:ext uri="{FF2B5EF4-FFF2-40B4-BE49-F238E27FC236}">
+                <a16:creationId xmlns:a16="http://schemas.microsoft.com/office/drawing/2014/main" id="{9E1810A3-75A9-A54E-1F71-FE97F8C250FD}"/>
+              </a:ext>
+            </a:extLst>
+          </p:cNvPr>
+          <p:cNvGrpSpPr/>
+          <p:nvPr/>
+        </p:nvGrpSpPr>
+        <p:grpSpPr>
+          <a:xfrm>
+            <a:off x="2359777" y="1867796"/>
+            <a:ext cx="7354800" cy="199440"/>
+            <a:chOff x="2359777" y="1867796"/>
+            <a:chExt cx="7354800" cy="199440"/>
+          </a:xfrm>
+        </p:grpSpPr>
+        <mc:AlternateContent xmlns:mc="http://schemas.openxmlformats.org/markup-compatibility/2006">
+          <mc:Choice xmlns:p14="http://schemas.microsoft.com/office/powerpoint/2010/main" Requires="p14">
+            <p:contentPart p14:bwMode="auto" r:id="rId5">
+              <p14:nvContentPartPr>
+                <p14:cNvPr id="15" name="Ink 14">
+                  <a:extLst>
+                    <a:ext uri="{FF2B5EF4-FFF2-40B4-BE49-F238E27FC236}">
+                      <a16:creationId xmlns:a16="http://schemas.microsoft.com/office/drawing/2014/main" id="{6325C776-1FDC-2BC3-FEB5-70C372FEFF29}"/>
+                    </a:ext>
+                  </a:extLst>
+                </p14:cNvPr>
+                <p14:cNvContentPartPr/>
+                <p14:nvPr/>
+              </p14:nvContentPartPr>
+              <p14:xfrm>
+                <a:off x="2359777" y="1867796"/>
+                <a:ext cx="7337160" cy="199440"/>
+              </p14:xfrm>
+            </p:contentPart>
+          </mc:Choice>
+          <mc:Fallback>
+            <p:pic>
+              <p:nvPicPr>
+                <p:cNvPr id="15" name="Ink 14">
+                  <a:extLst>
+                    <a:ext uri="{FF2B5EF4-FFF2-40B4-BE49-F238E27FC236}">
+                      <a16:creationId xmlns:a16="http://schemas.microsoft.com/office/drawing/2014/main" id="{6325C776-1FDC-2BC3-FEB5-70C372FEFF29}"/>
+                    </a:ext>
+                  </a:extLst>
+                </p:cNvPr>
+                <p:cNvPicPr/>
+                <p:nvPr/>
+              </p:nvPicPr>
+              <p:blipFill>
+                <a:blip r:embed="rId6"/>
+                <a:stretch>
+                  <a:fillRect/>
+                </a:stretch>
+              </p:blipFill>
+              <p:spPr>
+                <a:xfrm>
+                  <a:off x="2341777" y="1849796"/>
+                  <a:ext cx="7372800" cy="235080"/>
+                </a:xfrm>
+                <a:prstGeom prst="rect">
+                  <a:avLst/>
+                </a:prstGeom>
+              </p:spPr>
+            </p:pic>
+          </mc:Fallback>
+        </mc:AlternateContent>
+        <mc:AlternateContent xmlns:mc="http://schemas.openxmlformats.org/markup-compatibility/2006">
+          <mc:Choice xmlns:p14="http://schemas.microsoft.com/office/powerpoint/2010/main" Requires="p14">
+            <p:contentPart p14:bwMode="auto" r:id="rId7">
+              <p14:nvContentPartPr>
+                <p14:cNvPr id="16" name="Ink 15">
+                  <a:extLst>
+                    <a:ext uri="{FF2B5EF4-FFF2-40B4-BE49-F238E27FC236}">
+                      <a16:creationId xmlns:a16="http://schemas.microsoft.com/office/drawing/2014/main" id="{3F590A77-AB41-EDD2-7FFA-13DC3D1544AB}"/>
+                    </a:ext>
+                  </a:extLst>
+                </p14:cNvPr>
+                <p14:cNvContentPartPr/>
+                <p14:nvPr/>
+              </p14:nvContentPartPr>
+              <p14:xfrm>
+                <a:off x="9712417" y="1877876"/>
+                <a:ext cx="2160" cy="167040"/>
+              </p14:xfrm>
+            </p:contentPart>
+          </mc:Choice>
+          <mc:Fallback>
+            <p:pic>
+              <p:nvPicPr>
+                <p:cNvPr id="16" name="Ink 15">
+                  <a:extLst>
+                    <a:ext uri="{FF2B5EF4-FFF2-40B4-BE49-F238E27FC236}">
+                      <a16:creationId xmlns:a16="http://schemas.microsoft.com/office/drawing/2014/main" id="{3F590A77-AB41-EDD2-7FFA-13DC3D1544AB}"/>
+                    </a:ext>
+                  </a:extLst>
+                </p:cNvPr>
+                <p:cNvPicPr/>
+                <p:nvPr/>
+              </p:nvPicPr>
+              <p:blipFill>
+                <a:blip r:embed="rId8"/>
+                <a:stretch>
+                  <a:fillRect/>
+                </a:stretch>
+              </p:blipFill>
+              <p:spPr>
+                <a:xfrm>
+                  <a:off x="9694417" y="1860236"/>
+                  <a:ext cx="37800" cy="202680"/>
+                </a:xfrm>
+                <a:prstGeom prst="rect">
+                  <a:avLst/>
+                </a:prstGeom>
+              </p:spPr>
+            </p:pic>
+          </mc:Fallback>
+        </mc:AlternateContent>
+      </p:grpSp>
+      <mc:AlternateContent xmlns:mc="http://schemas.openxmlformats.org/markup-compatibility/2006">
+        <mc:Choice xmlns:p14="http://schemas.microsoft.com/office/powerpoint/2010/main" Requires="p14">
+          <p:contentPart p14:bwMode="auto" r:id="rId9">
+            <p14:nvContentPartPr>
+              <p14:cNvPr id="19" name="Ink 18">
+                <a:extLst>
+                  <a:ext uri="{FF2B5EF4-FFF2-40B4-BE49-F238E27FC236}">
+                    <a16:creationId xmlns:a16="http://schemas.microsoft.com/office/drawing/2014/main" id="{50E1DE97-1A94-8E70-B308-11E103BF3997}"/>
+                  </a:ext>
+                </a:extLst>
+              </p14:cNvPr>
+              <p14:cNvContentPartPr/>
+              <p14:nvPr/>
+            </p14:nvContentPartPr>
+            <p14:xfrm>
+              <a:off x="9801697" y="1946636"/>
+              <a:ext cx="334800" cy="119520"/>
+            </p14:xfrm>
+          </p:contentPart>
+        </mc:Choice>
+        <mc:Fallback>
+          <p:pic>
+            <p:nvPicPr>
+              <p:cNvPr id="19" name="Ink 18">
+                <a:extLst>
+                  <a:ext uri="{FF2B5EF4-FFF2-40B4-BE49-F238E27FC236}">
+                    <a16:creationId xmlns:a16="http://schemas.microsoft.com/office/drawing/2014/main" id="{50E1DE97-1A94-8E70-B308-11E103BF3997}"/>
+                  </a:ext>
+                </a:extLst>
+              </p:cNvPr>
+              <p:cNvPicPr/>
+              <p:nvPr/>
+            </p:nvPicPr>
+            <p:blipFill>
+              <a:blip r:embed="rId10"/>
+              <a:stretch>
+                <a:fillRect/>
+              </a:stretch>
+            </p:blipFill>
+            <p:spPr>
+              <a:xfrm>
+                <a:off x="9784057" y="1928996"/>
+                <a:ext cx="370440" cy="155160"/>
+              </a:xfrm>
+              <a:prstGeom prst="rect">
+                <a:avLst/>
+              </a:prstGeom>
+            </p:spPr>
+          </p:pic>
+        </mc:Fallback>
+      </mc:AlternateContent>
+      <p:sp>
+        <p:nvSpPr>
+          <p:cNvPr id="20" name="TextBox 19">
+            <a:extLst>
+              <a:ext uri="{FF2B5EF4-FFF2-40B4-BE49-F238E27FC236}">
+                <a16:creationId xmlns:a16="http://schemas.microsoft.com/office/drawing/2014/main" id="{B0B69BB8-6DE1-51A0-15F8-E0F9F5E8D7D1}"/>
+              </a:ext>
+            </a:extLst>
+          </p:cNvPr>
+          <p:cNvSpPr txBox="1"/>
+          <p:nvPr/>
+        </p:nvSpPr>
+        <p:spPr>
+          <a:xfrm>
+            <a:off x="1435297" y="2536723"/>
+            <a:ext cx="992259" cy="369332"/>
+          </a:xfrm>
+          <a:prstGeom prst="rect">
+            <a:avLst/>
+          </a:prstGeom>
+          <a:noFill/>
+        </p:spPr>
+        <p:txBody>
+          <a:bodyPr wrap="none" rtlCol="0">
+            <a:spAutoFit/>
+          </a:bodyPr>
+          <a:lstStyle/>
+          <a:p>
+            <a:r>
+              <a:rPr lang="en-US" dirty="0"/>
+              <a:t>Doc icon</a:t>
+            </a:r>
+          </a:p>
+        </p:txBody>
+      </p:sp>
+      <p:sp>
+        <p:nvSpPr>
+          <p:cNvPr id="21" name="TextBox 20">
+            <a:extLst>
+              <a:ext uri="{FF2B5EF4-FFF2-40B4-BE49-F238E27FC236}">
+                <a16:creationId xmlns:a16="http://schemas.microsoft.com/office/drawing/2014/main" id="{9264CA9B-426E-3CAC-9868-09D8A4732613}"/>
+              </a:ext>
+            </a:extLst>
+          </p:cNvPr>
+          <p:cNvSpPr txBox="1"/>
+          <p:nvPr/>
+        </p:nvSpPr>
+        <p:spPr>
+          <a:xfrm>
+            <a:off x="5285647" y="2589211"/>
+            <a:ext cx="1364156" cy="369332"/>
+          </a:xfrm>
+          <a:prstGeom prst="rect">
+            <a:avLst/>
+          </a:prstGeom>
+          <a:noFill/>
+        </p:spPr>
+        <p:txBody>
+          <a:bodyPr wrap="none" rtlCol="0">
+            <a:spAutoFit/>
+          </a:bodyPr>
+          <a:lstStyle/>
+          <a:p>
+            <a:r>
+              <a:rPr lang="en-US" dirty="0"/>
+              <a:t>Content title</a:t>
+            </a:r>
+          </a:p>
+        </p:txBody>
+      </p:sp>
+      <p:sp>
+        <p:nvSpPr>
+          <p:cNvPr id="22" name="TextBox 21">
+            <a:extLst>
+              <a:ext uri="{FF2B5EF4-FFF2-40B4-BE49-F238E27FC236}">
+                <a16:creationId xmlns:a16="http://schemas.microsoft.com/office/drawing/2014/main" id="{C7B304FA-BF1C-585C-DCE5-8D21D57D34AB}"/>
+              </a:ext>
+            </a:extLst>
+          </p:cNvPr>
+          <p:cNvSpPr txBox="1"/>
+          <p:nvPr/>
+        </p:nvSpPr>
+        <p:spPr>
+          <a:xfrm>
+            <a:off x="9507895" y="2533594"/>
+            <a:ext cx="1257204" cy="369332"/>
+          </a:xfrm>
+          <a:prstGeom prst="rect">
+            <a:avLst/>
+          </a:prstGeom>
+          <a:noFill/>
+        </p:spPr>
+        <p:txBody>
+          <a:bodyPr wrap="none" rtlCol="0">
+            <a:spAutoFit/>
+          </a:bodyPr>
+          <a:lstStyle/>
+          <a:p>
+            <a:r>
+              <a:rPr lang="en-US" dirty="0"/>
+              <a:t>Ellipsis icon</a:t>
+            </a:r>
+          </a:p>
+        </p:txBody>
+      </p:sp>
+      <p:sp>
+        <p:nvSpPr>
+          <p:cNvPr id="23" name="TextBox 22">
+            <a:extLst>
+              <a:ext uri="{FF2B5EF4-FFF2-40B4-BE49-F238E27FC236}">
+                <a16:creationId xmlns:a16="http://schemas.microsoft.com/office/drawing/2014/main" id="{36D54B6F-0A73-B349-3CEE-AD52BB7428B1}"/>
+              </a:ext>
+            </a:extLst>
+          </p:cNvPr>
+          <p:cNvSpPr txBox="1"/>
+          <p:nvPr/>
+        </p:nvSpPr>
+        <p:spPr>
+          <a:xfrm>
+            <a:off x="4511929" y="4682610"/>
+            <a:ext cx="3168141" cy="461665"/>
+          </a:xfrm>
+          <a:prstGeom prst="rect">
+            <a:avLst/>
+          </a:prstGeom>
+          <a:noFill/>
+        </p:spPr>
+        <p:txBody>
+          <a:bodyPr wrap="square" rtlCol="0">
+            <a:spAutoFit/>
+          </a:bodyPr>
+          <a:lstStyle/>
+          <a:p>
+            <a:r>
+              <a:rPr lang="en-US" sz="2400" dirty="0"/>
+              <a:t>flex-direction: column;</a:t>
+            </a:r>
+          </a:p>
+        </p:txBody>
+      </p:sp>
+      <p:sp>
+        <p:nvSpPr>
+          <p:cNvPr id="24" name="TextBox 23">
+            <a:extLst>
+              <a:ext uri="{FF2B5EF4-FFF2-40B4-BE49-F238E27FC236}">
+                <a16:creationId xmlns:a16="http://schemas.microsoft.com/office/drawing/2014/main" id="{2E526DB3-CE9C-B0D6-19E4-A14B45506F72}"/>
+              </a:ext>
+            </a:extLst>
+          </p:cNvPr>
+          <p:cNvSpPr txBox="1"/>
+          <p:nvPr/>
+        </p:nvSpPr>
+        <p:spPr>
+          <a:xfrm>
+            <a:off x="5112774" y="344129"/>
+            <a:ext cx="2258311" cy="523220"/>
+          </a:xfrm>
+          <a:prstGeom prst="rect">
+            <a:avLst/>
+          </a:prstGeom>
+          <a:noFill/>
+        </p:spPr>
+        <p:txBody>
+          <a:bodyPr wrap="none" rtlCol="0">
+            <a:spAutoFit/>
+          </a:bodyPr>
+          <a:lstStyle/>
+          <a:p>
+            <a:r>
+              <a:rPr lang="en-US" sz="2800" dirty="0"/>
+              <a:t>Class contents</a:t>
+            </a:r>
+          </a:p>
+        </p:txBody>
+      </p:sp>
+    </p:spTree>
+    <p:extLst>
+      <p:ext uri="{BB962C8B-B14F-4D97-AF65-F5344CB8AC3E}">
+        <p14:creationId xmlns:p14="http://schemas.microsoft.com/office/powerpoint/2010/main" val="3558883708"/>
       </p:ext>
     </p:extLst>
   </p:cSld>

--- a/S3 - PRACTICE- Flex Box - Real Cases/EX 1/Start  - CSS STRATEGY.pptx
+++ b/S3 - PRACTICE- Flex Box - Real Cases/EX 1/Start  - CSS STRATEGY.pptx
@@ -597,7 +597,7 @@
           <a:p>
             <a:fld id="{C0FAEE99-BDB4-4A2A-B2E9-74B86D049DCB}" type="datetimeFigureOut">
               <a:rPr lang="en-US" smtClean="0"/>
-              <a:t>11/14/2024</a:t>
+              <a:t>11/19/2024</a:t>
             </a:fld>
             <a:endParaRPr lang="en-US"/>
           </a:p>
@@ -795,7 +795,7 @@
           <a:p>
             <a:fld id="{C0FAEE99-BDB4-4A2A-B2E9-74B86D049DCB}" type="datetimeFigureOut">
               <a:rPr lang="en-US" smtClean="0"/>
-              <a:t>11/14/2024</a:t>
+              <a:t>11/19/2024</a:t>
             </a:fld>
             <a:endParaRPr lang="en-US"/>
           </a:p>
@@ -1003,7 +1003,7 @@
           <a:p>
             <a:fld id="{C0FAEE99-BDB4-4A2A-B2E9-74B86D049DCB}" type="datetimeFigureOut">
               <a:rPr lang="en-US" smtClean="0"/>
-              <a:t>11/14/2024</a:t>
+              <a:t>11/19/2024</a:t>
             </a:fld>
             <a:endParaRPr lang="en-US"/>
           </a:p>
@@ -1201,7 +1201,7 @@
           <a:p>
             <a:fld id="{C0FAEE99-BDB4-4A2A-B2E9-74B86D049DCB}" type="datetimeFigureOut">
               <a:rPr lang="en-US" smtClean="0"/>
-              <a:t>11/14/2024</a:t>
+              <a:t>11/19/2024</a:t>
             </a:fld>
             <a:endParaRPr lang="en-US"/>
           </a:p>
@@ -1476,7 +1476,7 @@
           <a:p>
             <a:fld id="{C0FAEE99-BDB4-4A2A-B2E9-74B86D049DCB}" type="datetimeFigureOut">
               <a:rPr lang="en-US" smtClean="0"/>
-              <a:t>11/14/2024</a:t>
+              <a:t>11/19/2024</a:t>
             </a:fld>
             <a:endParaRPr lang="en-US"/>
           </a:p>
@@ -1741,7 +1741,7 @@
           <a:p>
             <a:fld id="{C0FAEE99-BDB4-4A2A-B2E9-74B86D049DCB}" type="datetimeFigureOut">
               <a:rPr lang="en-US" smtClean="0"/>
-              <a:t>11/14/2024</a:t>
+              <a:t>11/19/2024</a:t>
             </a:fld>
             <a:endParaRPr lang="en-US"/>
           </a:p>
@@ -2153,7 +2153,7 @@
           <a:p>
             <a:fld id="{C0FAEE99-BDB4-4A2A-B2E9-74B86D049DCB}" type="datetimeFigureOut">
               <a:rPr lang="en-US" smtClean="0"/>
-              <a:t>11/14/2024</a:t>
+              <a:t>11/19/2024</a:t>
             </a:fld>
             <a:endParaRPr lang="en-US"/>
           </a:p>
@@ -2294,7 +2294,7 @@
           <a:p>
             <a:fld id="{C0FAEE99-BDB4-4A2A-B2E9-74B86D049DCB}" type="datetimeFigureOut">
               <a:rPr lang="en-US" smtClean="0"/>
-              <a:t>11/14/2024</a:t>
+              <a:t>11/19/2024</a:t>
             </a:fld>
             <a:endParaRPr lang="en-US"/>
           </a:p>
@@ -2407,7 +2407,7 @@
           <a:p>
             <a:fld id="{C0FAEE99-BDB4-4A2A-B2E9-74B86D049DCB}" type="datetimeFigureOut">
               <a:rPr lang="en-US" smtClean="0"/>
-              <a:t>11/14/2024</a:t>
+              <a:t>11/19/2024</a:t>
             </a:fld>
             <a:endParaRPr lang="en-US"/>
           </a:p>
@@ -2718,7 +2718,7 @@
           <a:p>
             <a:fld id="{C0FAEE99-BDB4-4A2A-B2E9-74B86D049DCB}" type="datetimeFigureOut">
               <a:rPr lang="en-US" smtClean="0"/>
-              <a:t>11/14/2024</a:t>
+              <a:t>11/19/2024</a:t>
             </a:fld>
             <a:endParaRPr lang="en-US"/>
           </a:p>
@@ -3006,7 +3006,7 @@
           <a:p>
             <a:fld id="{C0FAEE99-BDB4-4A2A-B2E9-74B86D049DCB}" type="datetimeFigureOut">
               <a:rPr lang="en-US" smtClean="0"/>
-              <a:t>11/14/2024</a:t>
+              <a:t>11/19/2024</a:t>
             </a:fld>
             <a:endParaRPr lang="en-US"/>
           </a:p>
@@ -3247,7 +3247,7 @@
           <a:p>
             <a:fld id="{C0FAEE99-BDB4-4A2A-B2E9-74B86D049DCB}" type="datetimeFigureOut">
               <a:rPr lang="en-US" smtClean="0"/>
-              <a:t>11/14/2024</a:t>
+              <a:t>11/19/2024</a:t>
             </a:fld>
             <a:endParaRPr lang="en-US"/>
           </a:p>
@@ -5559,7 +5559,7 @@
         <p:spPr>
           <a:xfrm>
             <a:off x="3244645" y="5643716"/>
-            <a:ext cx="2305055" cy="646331"/>
+            <a:ext cx="1968937" cy="646331"/>
           </a:xfrm>
           <a:prstGeom prst="rect">
             <a:avLst/>
@@ -5574,7 +5574,7 @@
           <a:p>
             <a:r>
               <a:rPr lang="en-US" dirty="0"/>
-              <a:t>flex-direction: column;</a:t>
+              <a:t>flex-direction: row;</a:t>
             </a:r>
           </a:p>
           <a:p>
@@ -5582,8 +5582,8 @@
           </a:p>
         </p:txBody>
       </p:sp>
-      <mc:AlternateContent xmlns:mc="http://schemas.openxmlformats.org/markup-compatibility/2006">
-        <mc:Choice xmlns:p14="http://schemas.microsoft.com/office/powerpoint/2010/main" Requires="p14">
+      <mc:AlternateContent xmlns:mc="http://schemas.openxmlformats.org/markup-compatibility/2006" xmlns:p14="http://schemas.microsoft.com/office/powerpoint/2010/main">
+        <mc:Choice Requires="p14">
           <p:contentPart p14:bwMode="auto" r:id="rId5">
             <p14:nvContentPartPr>
               <p14:cNvPr id="22" name="Ink 21">
@@ -5602,7 +5602,7 @@
             </p14:xfrm>
           </p:contentPart>
         </mc:Choice>
-        <mc:Fallback>
+        <mc:Fallback xmlns="">
           <p:pic>
             <p:nvPicPr>
               <p:cNvPr id="22" name="Ink 21">
@@ -5714,7 +5714,7 @@
         <p:spPr>
           <a:xfrm>
             <a:off x="1812283" y="5299588"/>
-            <a:ext cx="1968937" cy="923330"/>
+            <a:ext cx="2305055" cy="923330"/>
           </a:xfrm>
           <a:prstGeom prst="rect">
             <a:avLst/>
@@ -5729,7 +5729,7 @@
           <a:p>
             <a:r>
               <a:rPr lang="en-US" dirty="0"/>
-              <a:t>flex-direction: row;</a:t>
+              <a:t>flex-direction: column;</a:t>
             </a:r>
           </a:p>
           <a:p>
@@ -5862,7 +5862,7 @@
         <p:spPr>
           <a:xfrm>
             <a:off x="7462684" y="5260258"/>
-            <a:ext cx="1968937" cy="646331"/>
+            <a:ext cx="2305055" cy="646331"/>
           </a:xfrm>
           <a:prstGeom prst="rect">
             <a:avLst/>
@@ -5877,7 +5877,7 @@
           <a:p>
             <a:r>
               <a:rPr lang="en-US" dirty="0"/>
-              <a:t>flex-direction: row;</a:t>
+              <a:t>flex-direction: column;</a:t>
             </a:r>
           </a:p>
           <a:p>
@@ -5885,8 +5885,8 @@
           </a:p>
         </p:txBody>
       </p:sp>
-      <mc:AlternateContent xmlns:mc="http://schemas.openxmlformats.org/markup-compatibility/2006">
-        <mc:Choice xmlns:p14="http://schemas.microsoft.com/office/powerpoint/2010/main" Requires="p14">
+      <mc:AlternateContent xmlns:mc="http://schemas.openxmlformats.org/markup-compatibility/2006" xmlns:p14="http://schemas.microsoft.com/office/powerpoint/2010/main">
+        <mc:Choice Requires="p14">
           <p:contentPart p14:bwMode="auto" r:id="rId4">
             <p14:nvContentPartPr>
               <p14:cNvPr id="16" name="Ink 15">
@@ -5905,7 +5905,7 @@
             </p14:xfrm>
           </p:contentPart>
         </mc:Choice>
-        <mc:Fallback>
+        <mc:Fallback xmlns="">
           <p:pic>
             <p:nvPicPr>
               <p:cNvPr id="16" name="Ink 15">
@@ -5936,8 +5936,8 @@
           </p:pic>
         </mc:Fallback>
       </mc:AlternateContent>
-      <mc:AlternateContent xmlns:mc="http://schemas.openxmlformats.org/markup-compatibility/2006">
-        <mc:Choice xmlns:p14="http://schemas.microsoft.com/office/powerpoint/2010/main" Requires="p14">
+      <mc:AlternateContent xmlns:mc="http://schemas.openxmlformats.org/markup-compatibility/2006" xmlns:p14="http://schemas.microsoft.com/office/powerpoint/2010/main">
+        <mc:Choice Requires="p14">
           <p:contentPart p14:bwMode="auto" r:id="rId6">
             <p14:nvContentPartPr>
               <p14:cNvPr id="17" name="Ink 16">
@@ -5956,7 +5956,7 @@
             </p14:xfrm>
           </p:contentPart>
         </mc:Choice>
-        <mc:Fallback>
+        <mc:Fallback xmlns="">
           <p:pic>
             <p:nvPicPr>
               <p:cNvPr id="17" name="Ink 16">
@@ -6053,8 +6053,8 @@
           </a:prstGeom>
         </p:spPr>
       </p:pic>
-      <mc:AlternateContent xmlns:mc="http://schemas.openxmlformats.org/markup-compatibility/2006">
-        <mc:Choice xmlns:p14="http://schemas.microsoft.com/office/powerpoint/2010/main" Requires="p14">
+      <mc:AlternateContent xmlns:mc="http://schemas.openxmlformats.org/markup-compatibility/2006" xmlns:p14="http://schemas.microsoft.com/office/powerpoint/2010/main">
+        <mc:Choice Requires="p14">
           <p:contentPart p14:bwMode="auto" r:id="rId3">
             <p14:nvContentPartPr>
               <p14:cNvPr id="6" name="Ink 5">
@@ -6073,7 +6073,7 @@
             </p14:xfrm>
           </p:contentPart>
         </mc:Choice>
-        <mc:Fallback>
+        <mc:Fallback xmlns="">
           <p:pic>
             <p:nvPicPr>
               <p:cNvPr id="6" name="Ink 5">
@@ -6124,8 +6124,8 @@
             <a:chExt cx="7354800" cy="199440"/>
           </a:xfrm>
         </p:grpSpPr>
-        <mc:AlternateContent xmlns:mc="http://schemas.openxmlformats.org/markup-compatibility/2006">
-          <mc:Choice xmlns:p14="http://schemas.microsoft.com/office/powerpoint/2010/main" Requires="p14">
+        <mc:AlternateContent xmlns:mc="http://schemas.openxmlformats.org/markup-compatibility/2006" xmlns:p14="http://schemas.microsoft.com/office/powerpoint/2010/main">
+          <mc:Choice Requires="p14">
             <p:contentPart p14:bwMode="auto" r:id="rId5">
               <p14:nvContentPartPr>
                 <p14:cNvPr id="15" name="Ink 14">
@@ -6144,7 +6144,7 @@
               </p14:xfrm>
             </p:contentPart>
           </mc:Choice>
-          <mc:Fallback>
+          <mc:Fallback xmlns="">
             <p:pic>
               <p:nvPicPr>
                 <p:cNvPr id="15" name="Ink 14">
@@ -6175,8 +6175,8 @@
             </p:pic>
           </mc:Fallback>
         </mc:AlternateContent>
-        <mc:AlternateContent xmlns:mc="http://schemas.openxmlformats.org/markup-compatibility/2006">
-          <mc:Choice xmlns:p14="http://schemas.microsoft.com/office/powerpoint/2010/main" Requires="p14">
+        <mc:AlternateContent xmlns:mc="http://schemas.openxmlformats.org/markup-compatibility/2006" xmlns:p14="http://schemas.microsoft.com/office/powerpoint/2010/main">
+          <mc:Choice Requires="p14">
             <p:contentPart p14:bwMode="auto" r:id="rId7">
               <p14:nvContentPartPr>
                 <p14:cNvPr id="16" name="Ink 15">
@@ -6195,7 +6195,7 @@
               </p14:xfrm>
             </p:contentPart>
           </mc:Choice>
-          <mc:Fallback>
+          <mc:Fallback xmlns="">
             <p:pic>
               <p:nvPicPr>
                 <p:cNvPr id="16" name="Ink 15">
@@ -6227,8 +6227,8 @@
           </mc:Fallback>
         </mc:AlternateContent>
       </p:grpSp>
-      <mc:AlternateContent xmlns:mc="http://schemas.openxmlformats.org/markup-compatibility/2006">
-        <mc:Choice xmlns:p14="http://schemas.microsoft.com/office/powerpoint/2010/main" Requires="p14">
+      <mc:AlternateContent xmlns:mc="http://schemas.openxmlformats.org/markup-compatibility/2006" xmlns:p14="http://schemas.microsoft.com/office/powerpoint/2010/main">
+        <mc:Choice Requires="p14">
           <p:contentPart p14:bwMode="auto" r:id="rId9">
             <p14:nvContentPartPr>
               <p14:cNvPr id="19" name="Ink 18">
@@ -6247,7 +6247,7 @@
             </p14:xfrm>
           </p:contentPart>
         </mc:Choice>
-        <mc:Fallback>
+        <mc:Fallback xmlns="">
           <p:pic>
             <p:nvPicPr>
               <p:cNvPr id="19" name="Ink 18">
@@ -6413,7 +6413,7 @@
           <a:p>
             <a:r>
               <a:rPr lang="en-US" sz="2400" dirty="0"/>
-              <a:t>flex-direction: column;</a:t>
+              <a:t>flex-direction: row;</a:t>
             </a:r>
           </a:p>
         </p:txBody>
